--- a/Tweether/images/PLOT/plot.pptx
+++ b/Tweether/images/PLOT/plot.pptx
@@ -6,6 +6,7 @@
   </p:sldMasterIdLst>
   <p:sldIdLst>
     <p:sldId id="256" r:id="rId2"/>
+    <p:sldId id="257" r:id="rId3"/>
   </p:sldIdLst>
   <p:sldSz cx="9144000" cy="6858000" type="screen4x3"/>
   <p:notesSz cx="6858000" cy="9144000"/>
@@ -5931,6 +5932,625 @@
     <p:extLst>
       <p:ext uri="{BB962C8B-B14F-4D97-AF65-F5344CB8AC3E}">
         <p14:creationId xmlns:p14="http://schemas.microsoft.com/office/powerpoint/2010/main" val="22343452"/>
+      </p:ext>
+    </p:extLst>
+  </p:cSld>
+  <p:clrMapOvr>
+    <a:masterClrMapping/>
+  </p:clrMapOvr>
+</p:sld>
+</file>
+
+<file path=ppt/slides/slide2.xml><?xml version="1.0" encoding="utf-8"?>
+<p:sld xmlns:a="http://schemas.openxmlformats.org/drawingml/2006/main" xmlns:r="http://schemas.openxmlformats.org/officeDocument/2006/relationships" xmlns:p="http://schemas.openxmlformats.org/presentationml/2006/main">
+  <p:cSld>
+    <p:spTree>
+      <p:nvGrpSpPr>
+        <p:cNvPr id="1" name=""/>
+        <p:cNvGrpSpPr/>
+        <p:nvPr/>
+      </p:nvGrpSpPr>
+      <p:grpSpPr>
+        <a:xfrm>
+          <a:off x="0" y="0"/>
+          <a:ext cx="0" cy="0"/>
+          <a:chOff x="0" y="0"/>
+          <a:chExt cx="0" cy="0"/>
+        </a:xfrm>
+      </p:grpSpPr>
+      <p:cxnSp>
+        <p:nvCxnSpPr>
+          <p:cNvPr id="3" name="Straight Arrow Connector 2"/>
+          <p:cNvCxnSpPr/>
+          <p:nvPr/>
+        </p:nvCxnSpPr>
+        <p:spPr>
+          <a:xfrm>
+            <a:off x="2651760" y="1667444"/>
+            <a:ext cx="4206240" cy="0"/>
+          </a:xfrm>
+          <a:prstGeom prst="straightConnector1">
+            <a:avLst/>
+          </a:prstGeom>
+          <a:ln>
+            <a:solidFill>
+              <a:schemeClr val="tx1"/>
+            </a:solidFill>
+            <a:headEnd type="none" w="med" len="med"/>
+            <a:tailEnd type="triangle" w="med" len="med"/>
+          </a:ln>
+        </p:spPr>
+        <p:style>
+          <a:lnRef idx="1">
+            <a:schemeClr val="accent1"/>
+          </a:lnRef>
+          <a:fillRef idx="0">
+            <a:schemeClr val="accent1"/>
+          </a:fillRef>
+          <a:effectRef idx="0">
+            <a:schemeClr val="accent1"/>
+          </a:effectRef>
+          <a:fontRef idx="minor">
+            <a:schemeClr val="tx1"/>
+          </a:fontRef>
+        </p:style>
+      </p:cxnSp>
+      <p:sp>
+        <p:nvSpPr>
+          <p:cNvPr id="4" name="TextBox 3"/>
+          <p:cNvSpPr txBox="1"/>
+          <p:nvPr/>
+        </p:nvSpPr>
+        <p:spPr>
+          <a:xfrm>
+            <a:off x="6700929" y="1621724"/>
+            <a:ext cx="614271" cy="369332"/>
+          </a:xfrm>
+          <a:prstGeom prst="rect">
+            <a:avLst/>
+          </a:prstGeom>
+          <a:noFill/>
+        </p:spPr>
+        <p:txBody>
+          <a:bodyPr wrap="none" rtlCol="0">
+            <a:spAutoFit/>
+          </a:bodyPr>
+          <a:lstStyle/>
+          <a:p>
+            <a:r>
+              <a:rPr lang="en-US" i="1" dirty="0" smtClean="0"/>
+              <a:t>time</a:t>
+            </a:r>
+            <a:endParaRPr lang="en-US" i="1" dirty="0"/>
+          </a:p>
+        </p:txBody>
+      </p:sp>
+      <p:sp>
+        <p:nvSpPr>
+          <p:cNvPr id="6" name="TextBox 5"/>
+          <p:cNvSpPr txBox="1"/>
+          <p:nvPr/>
+        </p:nvSpPr>
+        <p:spPr>
+          <a:xfrm>
+            <a:off x="6096000" y="1688068"/>
+            <a:ext cx="261610" cy="369332"/>
+          </a:xfrm>
+          <a:prstGeom prst="rect">
+            <a:avLst/>
+          </a:prstGeom>
+          <a:noFill/>
+        </p:spPr>
+        <p:txBody>
+          <a:bodyPr wrap="none" rtlCol="0">
+            <a:spAutoFit/>
+          </a:bodyPr>
+          <a:lstStyle/>
+          <a:p>
+            <a:r>
+              <a:rPr lang="en-US" i="1" dirty="0" smtClean="0"/>
+              <a:t>t</a:t>
+            </a:r>
+            <a:endParaRPr lang="en-US" i="1" dirty="0"/>
+          </a:p>
+        </p:txBody>
+      </p:sp>
+      <p:sp>
+        <p:nvSpPr>
+          <p:cNvPr id="7" name="Oval 6"/>
+          <p:cNvSpPr/>
+          <p:nvPr/>
+        </p:nvSpPr>
+        <p:spPr>
+          <a:xfrm>
+            <a:off x="6156960" y="1621724"/>
+            <a:ext cx="91440" cy="91440"/>
+          </a:xfrm>
+          <a:prstGeom prst="ellipse">
+            <a:avLst/>
+          </a:prstGeom>
+          <a:solidFill>
+            <a:schemeClr val="tx1"/>
+          </a:solidFill>
+          <a:ln>
+            <a:solidFill>
+              <a:schemeClr val="tx1"/>
+            </a:solidFill>
+          </a:ln>
+        </p:spPr>
+        <p:style>
+          <a:lnRef idx="2">
+            <a:schemeClr val="accent1">
+              <a:shade val="50000"/>
+            </a:schemeClr>
+          </a:lnRef>
+          <a:fillRef idx="1">
+            <a:schemeClr val="accent1"/>
+          </a:fillRef>
+          <a:effectRef idx="0">
+            <a:schemeClr val="accent1"/>
+          </a:effectRef>
+          <a:fontRef idx="minor">
+            <a:schemeClr val="lt1"/>
+          </a:fontRef>
+        </p:style>
+        <p:txBody>
+          <a:bodyPr rtlCol="0" anchor="ctr"/>
+          <a:lstStyle/>
+          <a:p>
+            <a:pPr algn="ctr"/>
+            <a:endParaRPr lang="en-US"/>
+          </a:p>
+        </p:txBody>
+      </p:sp>
+      <p:sp>
+        <p:nvSpPr>
+          <p:cNvPr id="8" name="Oval 7"/>
+          <p:cNvSpPr/>
+          <p:nvPr/>
+        </p:nvSpPr>
+        <p:spPr>
+          <a:xfrm>
+            <a:off x="5410200" y="1621724"/>
+            <a:ext cx="91440" cy="91440"/>
+          </a:xfrm>
+          <a:prstGeom prst="ellipse">
+            <a:avLst/>
+          </a:prstGeom>
+          <a:solidFill>
+            <a:schemeClr val="tx1"/>
+          </a:solidFill>
+          <a:ln>
+            <a:solidFill>
+              <a:schemeClr val="tx1"/>
+            </a:solidFill>
+          </a:ln>
+        </p:spPr>
+        <p:style>
+          <a:lnRef idx="2">
+            <a:schemeClr val="accent1">
+              <a:shade val="50000"/>
+            </a:schemeClr>
+          </a:lnRef>
+          <a:fillRef idx="1">
+            <a:schemeClr val="accent1"/>
+          </a:fillRef>
+          <a:effectRef idx="0">
+            <a:schemeClr val="accent1"/>
+          </a:effectRef>
+          <a:fontRef idx="minor">
+            <a:schemeClr val="lt1"/>
+          </a:fontRef>
+        </p:style>
+        <p:txBody>
+          <a:bodyPr rtlCol="0" anchor="ctr"/>
+          <a:lstStyle/>
+          <a:p>
+            <a:pPr algn="ctr"/>
+            <a:endParaRPr lang="en-US"/>
+          </a:p>
+        </p:txBody>
+      </p:sp>
+      <p:sp>
+        <p:nvSpPr>
+          <p:cNvPr id="9" name="TextBox 8"/>
+          <p:cNvSpPr txBox="1"/>
+          <p:nvPr/>
+        </p:nvSpPr>
+        <p:spPr>
+          <a:xfrm>
+            <a:off x="5334000" y="1688068"/>
+            <a:ext cx="327334" cy="369332"/>
+          </a:xfrm>
+          <a:prstGeom prst="rect">
+            <a:avLst/>
+          </a:prstGeom>
+          <a:noFill/>
+        </p:spPr>
+        <p:txBody>
+          <a:bodyPr wrap="none" rtlCol="0">
+            <a:spAutoFit/>
+          </a:bodyPr>
+          <a:lstStyle/>
+          <a:p>
+            <a:r>
+              <a:rPr lang="en-US" i="1" dirty="0" smtClean="0"/>
+              <a:t>t’</a:t>
+            </a:r>
+            <a:endParaRPr lang="en-US" i="1" dirty="0"/>
+          </a:p>
+        </p:txBody>
+      </p:sp>
+      <p:sp>
+        <p:nvSpPr>
+          <p:cNvPr id="10" name="TextBox 9"/>
+          <p:cNvSpPr txBox="1"/>
+          <p:nvPr/>
+        </p:nvSpPr>
+        <p:spPr>
+          <a:xfrm>
+            <a:off x="3048000" y="1688068"/>
+            <a:ext cx="365806" cy="369332"/>
+          </a:xfrm>
+          <a:prstGeom prst="rect">
+            <a:avLst/>
+          </a:prstGeom>
+          <a:noFill/>
+        </p:spPr>
+        <p:txBody>
+          <a:bodyPr wrap="none" rtlCol="0">
+            <a:spAutoFit/>
+          </a:bodyPr>
+          <a:lstStyle/>
+          <a:p>
+            <a:r>
+              <a:rPr lang="en-US" i="1" dirty="0" smtClean="0"/>
+              <a:t>t”</a:t>
+            </a:r>
+            <a:endParaRPr lang="en-US" i="1" dirty="0"/>
+          </a:p>
+        </p:txBody>
+      </p:sp>
+      <p:sp>
+        <p:nvSpPr>
+          <p:cNvPr id="11" name="Oval 10"/>
+          <p:cNvSpPr/>
+          <p:nvPr/>
+        </p:nvSpPr>
+        <p:spPr>
+          <a:xfrm>
+            <a:off x="3150512" y="1621724"/>
+            <a:ext cx="91440" cy="91440"/>
+          </a:xfrm>
+          <a:prstGeom prst="ellipse">
+            <a:avLst/>
+          </a:prstGeom>
+          <a:solidFill>
+            <a:schemeClr val="tx1"/>
+          </a:solidFill>
+          <a:ln>
+            <a:solidFill>
+              <a:schemeClr val="tx1"/>
+            </a:solidFill>
+          </a:ln>
+        </p:spPr>
+        <p:style>
+          <a:lnRef idx="2">
+            <a:schemeClr val="accent1">
+              <a:shade val="50000"/>
+            </a:schemeClr>
+          </a:lnRef>
+          <a:fillRef idx="1">
+            <a:schemeClr val="accent1"/>
+          </a:fillRef>
+          <a:effectRef idx="0">
+            <a:schemeClr val="accent1"/>
+          </a:effectRef>
+          <a:fontRef idx="minor">
+            <a:schemeClr val="lt1"/>
+          </a:fontRef>
+        </p:style>
+        <p:txBody>
+          <a:bodyPr rtlCol="0" anchor="ctr"/>
+          <a:lstStyle/>
+          <a:p>
+            <a:pPr algn="ctr"/>
+            <a:endParaRPr lang="en-US"/>
+          </a:p>
+        </p:txBody>
+      </p:sp>
+      <p:sp>
+        <p:nvSpPr>
+          <p:cNvPr id="12" name="TextBox 11"/>
+          <p:cNvSpPr txBox="1"/>
+          <p:nvPr/>
+        </p:nvSpPr>
+        <p:spPr>
+          <a:xfrm>
+            <a:off x="5867400" y="1285386"/>
+            <a:ext cx="721351" cy="369332"/>
+          </a:xfrm>
+          <a:prstGeom prst="rect">
+            <a:avLst/>
+          </a:prstGeom>
+          <a:noFill/>
+        </p:spPr>
+        <p:txBody>
+          <a:bodyPr wrap="none" rtlCol="0">
+            <a:spAutoFit/>
+          </a:bodyPr>
+          <a:lstStyle/>
+          <a:p>
+            <a:r>
+              <a:rPr lang="en-US" i="1" dirty="0"/>
+              <a:t>t</a:t>
+            </a:r>
+            <a:r>
+              <a:rPr lang="en-US" i="1" dirty="0" smtClean="0"/>
+              <a:t>emp</a:t>
+            </a:r>
+            <a:r>
+              <a:rPr lang="en-US" i="1" baseline="-25000" dirty="0" smtClean="0"/>
+              <a:t>t</a:t>
+            </a:r>
+            <a:endParaRPr lang="en-US" i="1" baseline="-25000" dirty="0"/>
+          </a:p>
+        </p:txBody>
+      </p:sp>
+      <p:sp>
+        <p:nvSpPr>
+          <p:cNvPr id="15" name="TextBox 14"/>
+          <p:cNvSpPr txBox="1"/>
+          <p:nvPr/>
+        </p:nvSpPr>
+        <p:spPr>
+          <a:xfrm>
+            <a:off x="2819400" y="2010266"/>
+            <a:ext cx="940770" cy="369332"/>
+          </a:xfrm>
+          <a:prstGeom prst="rect">
+            <a:avLst/>
+          </a:prstGeom>
+          <a:noFill/>
+        </p:spPr>
+        <p:txBody>
+          <a:bodyPr wrap="none" rtlCol="0">
+            <a:spAutoFit/>
+          </a:bodyPr>
+          <a:lstStyle/>
+          <a:p>
+            <a:r>
+              <a:rPr lang="en-US" dirty="0" smtClean="0"/>
+              <a:t>(</a:t>
+            </a:r>
+            <a:r>
+              <a:rPr lang="en-US" i="1" dirty="0" err="1" smtClean="0"/>
+              <a:t>g</a:t>
+            </a:r>
+            <a:r>
+              <a:rPr lang="en-US" i="1" baseline="-25000" dirty="0" err="1" smtClean="0"/>
+              <a:t>t</a:t>
+            </a:r>
+            <a:r>
+              <a:rPr lang="en-US" i="1" baseline="-25000" dirty="0" smtClean="0"/>
+              <a:t>” </a:t>
+            </a:r>
+            <a:r>
+              <a:rPr lang="en-US" i="1" dirty="0" smtClean="0"/>
+              <a:t>, </a:t>
+            </a:r>
+            <a:r>
+              <a:rPr lang="en-US" i="1" dirty="0" err="1" smtClean="0"/>
+              <a:t>b</a:t>
+            </a:r>
+            <a:r>
+              <a:rPr lang="en-US" i="1" baseline="-25000" dirty="0" err="1" smtClean="0"/>
+              <a:t>t</a:t>
+            </a:r>
+            <a:r>
+              <a:rPr lang="en-US" i="1" baseline="-25000" dirty="0" smtClean="0"/>
+              <a:t>”</a:t>
+            </a:r>
+            <a:r>
+              <a:rPr lang="en-US" dirty="0" smtClean="0"/>
+              <a:t>)</a:t>
+            </a:r>
+            <a:endParaRPr lang="en-US" dirty="0"/>
+          </a:p>
+        </p:txBody>
+      </p:sp>
+      <p:sp>
+        <p:nvSpPr>
+          <p:cNvPr id="17" name="TextBox 16"/>
+          <p:cNvSpPr txBox="1"/>
+          <p:nvPr/>
+        </p:nvSpPr>
+        <p:spPr>
+          <a:xfrm>
+            <a:off x="5104716" y="2010266"/>
+            <a:ext cx="898003" cy="369332"/>
+          </a:xfrm>
+          <a:prstGeom prst="rect">
+            <a:avLst/>
+          </a:prstGeom>
+          <a:noFill/>
+        </p:spPr>
+        <p:txBody>
+          <a:bodyPr wrap="none" rtlCol="0">
+            <a:spAutoFit/>
+          </a:bodyPr>
+          <a:lstStyle/>
+          <a:p>
+            <a:r>
+              <a:rPr lang="en-US" dirty="0" smtClean="0"/>
+              <a:t>(</a:t>
+            </a:r>
+            <a:r>
+              <a:rPr lang="en-US" i="1" dirty="0" err="1" smtClean="0"/>
+              <a:t>g</a:t>
+            </a:r>
+            <a:r>
+              <a:rPr lang="en-US" i="1" baseline="-25000" dirty="0" err="1" smtClean="0"/>
+              <a:t>t</a:t>
+            </a:r>
+            <a:r>
+              <a:rPr lang="en-US" i="1" baseline="-25000" dirty="0" smtClean="0"/>
+              <a:t>’ </a:t>
+            </a:r>
+            <a:r>
+              <a:rPr lang="en-US" i="1" dirty="0" smtClean="0"/>
+              <a:t>, </a:t>
+            </a:r>
+            <a:r>
+              <a:rPr lang="en-US" i="1" dirty="0" err="1" smtClean="0"/>
+              <a:t>b</a:t>
+            </a:r>
+            <a:r>
+              <a:rPr lang="en-US" i="1" baseline="-25000" dirty="0" err="1" smtClean="0"/>
+              <a:t>t</a:t>
+            </a:r>
+            <a:r>
+              <a:rPr lang="en-US" i="1" baseline="-25000" dirty="0" smtClean="0"/>
+              <a:t>’</a:t>
+            </a:r>
+            <a:r>
+              <a:rPr lang="en-US" dirty="0" smtClean="0"/>
+              <a:t>)</a:t>
+            </a:r>
+            <a:endParaRPr lang="en-US" dirty="0"/>
+          </a:p>
+        </p:txBody>
+      </p:sp>
+      <p:sp>
+        <p:nvSpPr>
+          <p:cNvPr id="18" name="TextBox 17"/>
+          <p:cNvSpPr txBox="1"/>
+          <p:nvPr/>
+        </p:nvSpPr>
+        <p:spPr>
+          <a:xfrm>
+            <a:off x="5878587" y="2010266"/>
+            <a:ext cx="810415" cy="369332"/>
+          </a:xfrm>
+          <a:prstGeom prst="rect">
+            <a:avLst/>
+          </a:prstGeom>
+          <a:noFill/>
+        </p:spPr>
+        <p:txBody>
+          <a:bodyPr wrap="none" rtlCol="0">
+            <a:spAutoFit/>
+          </a:bodyPr>
+          <a:lstStyle/>
+          <a:p>
+            <a:r>
+              <a:rPr lang="en-US" dirty="0" smtClean="0"/>
+              <a:t>(</a:t>
+            </a:r>
+            <a:r>
+              <a:rPr lang="en-US" i="1" dirty="0" err="1" smtClean="0"/>
+              <a:t>g</a:t>
+            </a:r>
+            <a:r>
+              <a:rPr lang="en-US" i="1" baseline="-25000" dirty="0" err="1"/>
+              <a:t>t</a:t>
+            </a:r>
+            <a:r>
+              <a:rPr lang="en-US" i="1" baseline="-25000" dirty="0" smtClean="0"/>
+              <a:t> </a:t>
+            </a:r>
+            <a:r>
+              <a:rPr lang="en-US" i="1" dirty="0" smtClean="0"/>
+              <a:t>, </a:t>
+            </a:r>
+            <a:r>
+              <a:rPr lang="en-US" i="1" dirty="0" err="1" smtClean="0"/>
+              <a:t>b</a:t>
+            </a:r>
+            <a:r>
+              <a:rPr lang="en-US" i="1" baseline="-25000" dirty="0" err="1"/>
+              <a:t>t</a:t>
+            </a:r>
+            <a:r>
+              <a:rPr lang="en-US" dirty="0" smtClean="0"/>
+              <a:t>)</a:t>
+            </a:r>
+            <a:endParaRPr lang="en-US" dirty="0"/>
+          </a:p>
+        </p:txBody>
+      </p:sp>
+      <p:sp>
+        <p:nvSpPr>
+          <p:cNvPr id="19" name="TextBox 18"/>
+          <p:cNvSpPr txBox="1"/>
+          <p:nvPr/>
+        </p:nvSpPr>
+        <p:spPr>
+          <a:xfrm>
+            <a:off x="5032692" y="1285386"/>
+            <a:ext cx="755015" cy="369332"/>
+          </a:xfrm>
+          <a:prstGeom prst="rect">
+            <a:avLst/>
+          </a:prstGeom>
+          <a:noFill/>
+        </p:spPr>
+        <p:txBody>
+          <a:bodyPr wrap="none" rtlCol="0">
+            <a:spAutoFit/>
+          </a:bodyPr>
+          <a:lstStyle/>
+          <a:p>
+            <a:r>
+              <a:rPr lang="en-US" i="1" dirty="0" smtClean="0"/>
+              <a:t>temp</a:t>
+            </a:r>
+            <a:r>
+              <a:rPr lang="en-US" i="1" baseline="-25000" dirty="0" smtClean="0"/>
+              <a:t>t'</a:t>
+            </a:r>
+            <a:endParaRPr lang="en-US" i="1" baseline="-25000" dirty="0"/>
+          </a:p>
+        </p:txBody>
+      </p:sp>
+      <p:sp>
+        <p:nvSpPr>
+          <p:cNvPr id="20" name="TextBox 19"/>
+          <p:cNvSpPr txBox="1"/>
+          <p:nvPr/>
+        </p:nvSpPr>
+        <p:spPr>
+          <a:xfrm>
+            <a:off x="2819400" y="1285386"/>
+            <a:ext cx="782265" cy="369332"/>
+          </a:xfrm>
+          <a:prstGeom prst="rect">
+            <a:avLst/>
+          </a:prstGeom>
+          <a:noFill/>
+        </p:spPr>
+        <p:txBody>
+          <a:bodyPr wrap="none" rtlCol="0">
+            <a:spAutoFit/>
+          </a:bodyPr>
+          <a:lstStyle/>
+          <a:p>
+            <a:r>
+              <a:rPr lang="en-US" i="1" dirty="0" smtClean="0"/>
+              <a:t>temp</a:t>
+            </a:r>
+            <a:r>
+              <a:rPr lang="en-US" i="1" baseline="-25000" dirty="0" smtClean="0"/>
+              <a:t>t"</a:t>
+            </a:r>
+            <a:endParaRPr lang="en-US" i="1" baseline="-25000" dirty="0"/>
+          </a:p>
+        </p:txBody>
+      </p:sp>
+    </p:spTree>
+    <p:extLst>
+      <p:ext uri="{BB962C8B-B14F-4D97-AF65-F5344CB8AC3E}">
+        <p14:creationId xmlns:p14="http://schemas.microsoft.com/office/powerpoint/2010/main" val="1415770169"/>
       </p:ext>
     </p:extLst>
   </p:cSld>

--- a/Tweether/images/PLOT/plot.pptx
+++ b/Tweether/images/PLOT/plot.pptx
@@ -7,6 +7,7 @@
   <p:sldIdLst>
     <p:sldId id="256" r:id="rId2"/>
     <p:sldId id="257" r:id="rId3"/>
+    <p:sldId id="258" r:id="rId4"/>
   </p:sldIdLst>
   <p:sldSz cx="9144000" cy="6858000" type="screen4x3"/>
   <p:notesSz cx="6858000" cy="9144000"/>
@@ -289,7 +290,7 @@
           <a:p>
             <a:fld id="{1EF476C5-B3FA-4B3D-9357-3886C4BB5E3F}" type="datetimeFigureOut">
               <a:rPr lang="en-US" smtClean="0"/>
-              <a:t>3/29/2015</a:t>
+              <a:t>3/30/2015</a:t>
             </a:fld>
             <a:endParaRPr lang="en-US"/>
           </a:p>
@@ -459,7 +460,7 @@
           <a:p>
             <a:fld id="{1EF476C5-B3FA-4B3D-9357-3886C4BB5E3F}" type="datetimeFigureOut">
               <a:rPr lang="en-US" smtClean="0"/>
-              <a:t>3/29/2015</a:t>
+              <a:t>3/30/2015</a:t>
             </a:fld>
             <a:endParaRPr lang="en-US"/>
           </a:p>
@@ -639,7 +640,7 @@
           <a:p>
             <a:fld id="{1EF476C5-B3FA-4B3D-9357-3886C4BB5E3F}" type="datetimeFigureOut">
               <a:rPr lang="en-US" smtClean="0"/>
-              <a:t>3/29/2015</a:t>
+              <a:t>3/30/2015</a:t>
             </a:fld>
             <a:endParaRPr lang="en-US"/>
           </a:p>
@@ -809,7 +810,7 @@
           <a:p>
             <a:fld id="{1EF476C5-B3FA-4B3D-9357-3886C4BB5E3F}" type="datetimeFigureOut">
               <a:rPr lang="en-US" smtClean="0"/>
-              <a:t>3/29/2015</a:t>
+              <a:t>3/30/2015</a:t>
             </a:fld>
             <a:endParaRPr lang="en-US"/>
           </a:p>
@@ -1055,7 +1056,7 @@
           <a:p>
             <a:fld id="{1EF476C5-B3FA-4B3D-9357-3886C4BB5E3F}" type="datetimeFigureOut">
               <a:rPr lang="en-US" smtClean="0"/>
-              <a:t>3/29/2015</a:t>
+              <a:t>3/30/2015</a:t>
             </a:fld>
             <a:endParaRPr lang="en-US"/>
           </a:p>
@@ -1343,7 +1344,7 @@
           <a:p>
             <a:fld id="{1EF476C5-B3FA-4B3D-9357-3886C4BB5E3F}" type="datetimeFigureOut">
               <a:rPr lang="en-US" smtClean="0"/>
-              <a:t>3/29/2015</a:t>
+              <a:t>3/30/2015</a:t>
             </a:fld>
             <a:endParaRPr lang="en-US"/>
           </a:p>
@@ -1765,7 +1766,7 @@
           <a:p>
             <a:fld id="{1EF476C5-B3FA-4B3D-9357-3886C4BB5E3F}" type="datetimeFigureOut">
               <a:rPr lang="en-US" smtClean="0"/>
-              <a:t>3/29/2015</a:t>
+              <a:t>3/30/2015</a:t>
             </a:fld>
             <a:endParaRPr lang="en-US"/>
           </a:p>
@@ -1883,7 +1884,7 @@
           <a:p>
             <a:fld id="{1EF476C5-B3FA-4B3D-9357-3886C4BB5E3F}" type="datetimeFigureOut">
               <a:rPr lang="en-US" smtClean="0"/>
-              <a:t>3/29/2015</a:t>
+              <a:t>3/30/2015</a:t>
             </a:fld>
             <a:endParaRPr lang="en-US"/>
           </a:p>
@@ -1978,7 +1979,7 @@
           <a:p>
             <a:fld id="{1EF476C5-B3FA-4B3D-9357-3886C4BB5E3F}" type="datetimeFigureOut">
               <a:rPr lang="en-US" smtClean="0"/>
-              <a:t>3/29/2015</a:t>
+              <a:t>3/30/2015</a:t>
             </a:fld>
             <a:endParaRPr lang="en-US"/>
           </a:p>
@@ -2255,7 +2256,7 @@
           <a:p>
             <a:fld id="{1EF476C5-B3FA-4B3D-9357-3886C4BB5E3F}" type="datetimeFigureOut">
               <a:rPr lang="en-US" smtClean="0"/>
-              <a:t>3/29/2015</a:t>
+              <a:t>3/30/2015</a:t>
             </a:fld>
             <a:endParaRPr lang="en-US"/>
           </a:p>
@@ -2508,7 +2509,7 @@
           <a:p>
             <a:fld id="{1EF476C5-B3FA-4B3D-9357-3886C4BB5E3F}" type="datetimeFigureOut">
               <a:rPr lang="en-US" smtClean="0"/>
-              <a:t>3/29/2015</a:t>
+              <a:t>3/30/2015</a:t>
             </a:fld>
             <a:endParaRPr lang="en-US"/>
           </a:p>
@@ -2721,7 +2722,7 @@
           <a:p>
             <a:fld id="{1EF476C5-B3FA-4B3D-9357-3886C4BB5E3F}" type="datetimeFigureOut">
               <a:rPr lang="en-US" smtClean="0"/>
-              <a:t>3/29/2015</a:t>
+              <a:t>3/30/2015</a:t>
             </a:fld>
             <a:endParaRPr lang="en-US"/>
           </a:p>
@@ -6551,6 +6552,168 @@
     <p:extLst>
       <p:ext uri="{BB962C8B-B14F-4D97-AF65-F5344CB8AC3E}">
         <p14:creationId xmlns:p14="http://schemas.microsoft.com/office/powerpoint/2010/main" val="1415770169"/>
+      </p:ext>
+    </p:extLst>
+  </p:cSld>
+  <p:clrMapOvr>
+    <a:masterClrMapping/>
+  </p:clrMapOvr>
+</p:sld>
+</file>
+
+<file path=ppt/slides/slide3.xml><?xml version="1.0" encoding="utf-8"?>
+<p:sld xmlns:a="http://schemas.openxmlformats.org/drawingml/2006/main" xmlns:r="http://schemas.openxmlformats.org/officeDocument/2006/relationships" xmlns:p="http://schemas.openxmlformats.org/presentationml/2006/main">
+  <p:cSld>
+    <p:spTree>
+      <p:nvGrpSpPr>
+        <p:cNvPr id="1" name=""/>
+        <p:cNvGrpSpPr/>
+        <p:nvPr/>
+      </p:nvGrpSpPr>
+      <p:grpSpPr>
+        <a:xfrm>
+          <a:off x="0" y="0"/>
+          <a:ext cx="0" cy="0"/>
+          <a:chOff x="0" y="0"/>
+          <a:chExt cx="0" cy="0"/>
+        </a:xfrm>
+      </p:grpSpPr>
+      <p:pic>
+        <p:nvPicPr>
+          <p:cNvPr id="1026" name="Picture 2" descr="d:\Users\hfyu\Desktop\Figure3_b_2.png"/>
+          <p:cNvPicPr>
+            <a:picLocks noChangeArrowheads="1"/>
+          </p:cNvPicPr>
+          <p:nvPr/>
+        </p:nvPicPr>
+        <p:blipFill rotWithShape="1">
+          <a:blip r:embed="rId2" cstate="print">
+            <a:extLst>
+              <a:ext uri="{28A0092B-C50C-407E-A947-70E740481C1C}">
+                <a14:useLocalDpi xmlns:a14="http://schemas.microsoft.com/office/drawing/2010/main" val="0"/>
+              </a:ext>
+            </a:extLst>
+          </a:blip>
+          <a:srcRect b="3525"/>
+          <a:stretch/>
+        </p:blipFill>
+        <p:spPr bwMode="auto">
+          <a:xfrm>
+            <a:off x="905969" y="380999"/>
+            <a:ext cx="3200400" cy="1828800"/>
+          </a:xfrm>
+          <a:prstGeom prst="rect">
+            <a:avLst/>
+          </a:prstGeom>
+          <a:noFill/>
+          <a:ln w="9525">
+            <a:solidFill>
+              <a:schemeClr val="tx1"/>
+            </a:solidFill>
+          </a:ln>
+          <a:extLst>
+            <a:ext uri="{909E8E84-426E-40DD-AFC4-6F175D3DCCD1}">
+              <a14:hiddenFill xmlns:a14="http://schemas.microsoft.com/office/drawing/2010/main">
+                <a:solidFill>
+                  <a:srgbClr val="FFFFFF"/>
+                </a:solidFill>
+              </a14:hiddenFill>
+            </a:ext>
+          </a:extLst>
+        </p:spPr>
+      </p:pic>
+      <p:pic>
+        <p:nvPicPr>
+          <p:cNvPr id="1028" name="Picture 4" descr="d:\Users\hfyu\Desktop\Figure3c.png"/>
+          <p:cNvPicPr>
+            <a:picLocks noChangeArrowheads="1"/>
+          </p:cNvPicPr>
+          <p:nvPr/>
+        </p:nvPicPr>
+        <p:blipFill rotWithShape="1">
+          <a:blip r:embed="rId3" cstate="print">
+            <a:extLst>
+              <a:ext uri="{28A0092B-C50C-407E-A947-70E740481C1C}">
+                <a14:useLocalDpi xmlns:a14="http://schemas.microsoft.com/office/drawing/2010/main" val="0"/>
+              </a:ext>
+            </a:extLst>
+          </a:blip>
+          <a:srcRect t="1427" b="3633"/>
+          <a:stretch/>
+        </p:blipFill>
+        <p:spPr bwMode="auto">
+          <a:xfrm>
+            <a:off x="762000" y="2582008"/>
+            <a:ext cx="3200400" cy="1828800"/>
+          </a:xfrm>
+          <a:prstGeom prst="rect">
+            <a:avLst/>
+          </a:prstGeom>
+          <a:noFill/>
+          <a:ln>
+            <a:solidFill>
+              <a:schemeClr val="tx1"/>
+            </a:solidFill>
+          </a:ln>
+          <a:extLst>
+            <a:ext uri="{909E8E84-426E-40DD-AFC4-6F175D3DCCD1}">
+              <a14:hiddenFill xmlns:a14="http://schemas.microsoft.com/office/drawing/2010/main">
+                <a:solidFill>
+                  <a:srgbClr val="FFFFFF"/>
+                </a:solidFill>
+              </a14:hiddenFill>
+            </a:ext>
+          </a:extLst>
+        </p:spPr>
+      </p:pic>
+      <p:pic>
+        <p:nvPicPr>
+          <p:cNvPr id="1029" name="Picture 5" descr="d:\Users\hfyu\Desktop\Figure3d.png"/>
+          <p:cNvPicPr>
+            <a:picLocks noChangeArrowheads="1"/>
+          </p:cNvPicPr>
+          <p:nvPr/>
+        </p:nvPicPr>
+        <p:blipFill rotWithShape="1">
+          <a:blip r:embed="rId4" cstate="print">
+            <a:extLst>
+              <a:ext uri="{28A0092B-C50C-407E-A947-70E740481C1C}">
+                <a14:useLocalDpi xmlns:a14="http://schemas.microsoft.com/office/drawing/2010/main" val="0"/>
+              </a:ext>
+            </a:extLst>
+          </a:blip>
+          <a:srcRect t="1521" b="3788"/>
+          <a:stretch/>
+        </p:blipFill>
+        <p:spPr bwMode="auto">
+          <a:xfrm>
+            <a:off x="4343400" y="2438400"/>
+            <a:ext cx="3200400" cy="1828800"/>
+          </a:xfrm>
+          <a:prstGeom prst="rect">
+            <a:avLst/>
+          </a:prstGeom>
+          <a:noFill/>
+          <a:ln>
+            <a:solidFill>
+              <a:schemeClr val="tx1"/>
+            </a:solidFill>
+          </a:ln>
+          <a:extLst>
+            <a:ext uri="{909E8E84-426E-40DD-AFC4-6F175D3DCCD1}">
+              <a14:hiddenFill xmlns:a14="http://schemas.microsoft.com/office/drawing/2010/main">
+                <a:solidFill>
+                  <a:srgbClr val="FFFFFF"/>
+                </a:solidFill>
+              </a14:hiddenFill>
+            </a:ext>
+          </a:extLst>
+        </p:spPr>
+      </p:pic>
+    </p:spTree>
+    <p:extLst>
+      <p:ext uri="{BB962C8B-B14F-4D97-AF65-F5344CB8AC3E}">
+        <p14:creationId xmlns:p14="http://schemas.microsoft.com/office/powerpoint/2010/main" val="2364696583"/>
       </p:ext>
     </p:extLst>
   </p:cSld>
